--- a/REST-API-Spring-3.2.pptx
+++ b/REST-API-Spring-3.2.pptx
@@ -687,7 +687,7 @@
             <a:fld id="{23A271A1-F6D6-438B-A432-4747EE7ECD40}" type="datetimeFigureOut">
               <a:rPr lang="en-US" smtClean="0"/>
               <a:pPr eaLnBrk="1" latinLnBrk="0" hangingPunct="1"/>
-              <a:t>3/8/13</a:t>
+              <a:t>3/9/13</a:t>
             </a:fld>
             <a:endParaRPr lang="en-US"/>
           </a:p>
@@ -878,7 +878,7 @@
             <a:fld id="{23A271A1-F6D6-438B-A432-4747EE7ECD40}" type="datetimeFigureOut">
               <a:rPr lang="en-US" smtClean="0"/>
               <a:pPr eaLnBrk="1" latinLnBrk="0" hangingPunct="1"/>
-              <a:t>3/8/13</a:t>
+              <a:t>3/9/13</a:t>
             </a:fld>
             <a:endParaRPr lang="en-US" dirty="0"/>
           </a:p>
@@ -1700,7 +1700,7 @@
             <a:fld id="{23A271A1-F6D6-438B-A432-4747EE7ECD40}" type="datetimeFigureOut">
               <a:rPr lang="en-US" smtClean="0"/>
               <a:pPr eaLnBrk="1" latinLnBrk="0" hangingPunct="1"/>
-              <a:t>3/8/13</a:t>
+              <a:t>3/9/13</a:t>
             </a:fld>
             <a:endParaRPr lang="en-US"/>
           </a:p>
@@ -2134,7 +2134,7 @@
             <a:fld id="{23A271A1-F6D6-438B-A432-4747EE7ECD40}" type="datetimeFigureOut">
               <a:rPr lang="en-US" smtClean="0"/>
               <a:pPr eaLnBrk="1" latinLnBrk="0" hangingPunct="1"/>
-              <a:t>3/8/13</a:t>
+              <a:t>3/9/13</a:t>
             </a:fld>
             <a:endParaRPr lang="en-US"/>
           </a:p>
@@ -2264,7 +2264,7 @@
             <a:fld id="{23A271A1-F6D6-438B-A432-4747EE7ECD40}" type="datetimeFigureOut">
               <a:rPr lang="en-US" smtClean="0"/>
               <a:pPr eaLnBrk="1" latinLnBrk="0" hangingPunct="1"/>
-              <a:t>3/8/13</a:t>
+              <a:t>3/9/13</a:t>
             </a:fld>
             <a:endParaRPr lang="en-US"/>
           </a:p>
@@ -2374,7 +2374,7 @@
             <a:fld id="{23A271A1-F6D6-438B-A432-4747EE7ECD40}" type="datetimeFigureOut">
               <a:rPr lang="en-US" smtClean="0"/>
               <a:pPr eaLnBrk="1" latinLnBrk="0" hangingPunct="1"/>
-              <a:t>3/8/13</a:t>
+              <a:t>3/9/13</a:t>
             </a:fld>
             <a:endParaRPr lang="en-US"/>
           </a:p>
@@ -2666,7 +2666,7 @@
             <a:fld id="{23A271A1-F6D6-438B-A432-4747EE7ECD40}" type="datetimeFigureOut">
               <a:rPr lang="en-US" smtClean="0"/>
               <a:pPr eaLnBrk="1" latinLnBrk="0" hangingPunct="1"/>
-              <a:t>3/8/13</a:t>
+              <a:t>3/9/13</a:t>
             </a:fld>
             <a:endParaRPr lang="en-US"/>
           </a:p>
@@ -2938,7 +2938,7 @@
             <a:fld id="{23A271A1-F6D6-438B-A432-4747EE7ECD40}" type="datetimeFigureOut">
               <a:rPr lang="en-US" smtClean="0"/>
               <a:pPr eaLnBrk="1" latinLnBrk="0" hangingPunct="1"/>
-              <a:t>3/8/13</a:t>
+              <a:t>3/9/13</a:t>
             </a:fld>
             <a:endParaRPr lang="en-US"/>
           </a:p>
@@ -4384,11 +4384,7 @@
             </a:r>
             <a:r>
               <a:rPr lang="en-US" dirty="0" smtClean="0"/>
-              <a:t>) becomes the implementation detail (which may change</a:t>
-            </a:r>
-            <a:r>
-              <a:rPr lang="en-US" dirty="0" smtClean="0"/>
-              <a:t>)</a:t>
+              <a:t>) becomes the implementation detail (which may change)</a:t>
             </a:r>
             <a:endParaRPr lang="en-US" dirty="0"/>
           </a:p>
@@ -4468,14 +4464,12 @@
               <a:rPr lang="en-US" dirty="0" smtClean="0"/>
               <a:t>Web layer concern</a:t>
             </a:r>
-            <a:endParaRPr lang="en-US" dirty="0" smtClean="0"/>
           </a:p>
           <a:p>
             <a:r>
               <a:rPr lang="en-US" dirty="0" smtClean="0"/>
               <a:t>Link creation</a:t>
             </a:r>
-            <a:endParaRPr lang="en-US" dirty="0" smtClean="0"/>
           </a:p>
           <a:p>
             <a:pPr lvl="1"/>
@@ -5028,8 +5022,17 @@
           <a:p>
             <a:r>
               <a:rPr lang="en-US" dirty="0" smtClean="0"/>
-              <a:t>How a REST API is implemented with Spring MCV</a:t>
-            </a:r>
+              <a:t>How a REST API is implemented with </a:t>
+            </a:r>
+            <a:r>
+              <a:rPr lang="en-US" smtClean="0"/>
+              <a:t>Spring </a:t>
+            </a:r>
+            <a:r>
+              <a:rPr lang="en-US" smtClean="0"/>
+              <a:t>MVC</a:t>
+            </a:r>
+            <a:endParaRPr lang="en-US" dirty="0" smtClean="0"/>
           </a:p>
           <a:p>
             <a:r>
